--- a/Capstone 3/Capstone 3.pptx
+++ b/Capstone 3/Capstone 3.pptx
@@ -157,7 +157,7 @@
   <pc:docChgLst>
     <pc:chgData name="Wei-Jung Tseng" userId="43860473-0398-4a69-a820-88c39892e67f" providerId="ADAL" clId="{E230044C-E64B-4CAA-BD41-CBE6C0F45CC3}"/>
     <pc:docChg chg="undo custSel addSld delSld modSld sldOrd">
-      <pc:chgData name="Wei-Jung Tseng" userId="43860473-0398-4a69-a820-88c39892e67f" providerId="ADAL" clId="{E230044C-E64B-4CAA-BD41-CBE6C0F45CC3}" dt="2021-09-18T05:20:22.316" v="2301" actId="47"/>
+      <pc:chgData name="Wei-Jung Tseng" userId="43860473-0398-4a69-a820-88c39892e67f" providerId="ADAL" clId="{E230044C-E64B-4CAA-BD41-CBE6C0F45CC3}" dt="2021-09-18T15:03:25.721" v="2302" actId="20577"/>
       <pc:docMkLst>
         <pc:docMk/>
       </pc:docMkLst>
@@ -326,7 +326,7 @@
         </pc:spChg>
       </pc:sldChg>
       <pc:sldChg chg="modSp mod">
-        <pc:chgData name="Wei-Jung Tseng" userId="43860473-0398-4a69-a820-88c39892e67f" providerId="ADAL" clId="{E230044C-E64B-4CAA-BD41-CBE6C0F45CC3}" dt="2021-09-18T05:08:10.683" v="1975" actId="20577"/>
+        <pc:chgData name="Wei-Jung Tseng" userId="43860473-0398-4a69-a820-88c39892e67f" providerId="ADAL" clId="{E230044C-E64B-4CAA-BD41-CBE6C0F45CC3}" dt="2021-09-18T15:03:25.721" v="2302" actId="20577"/>
         <pc:sldMkLst>
           <pc:docMk/>
           <pc:sldMk cId="2598391320" sldId="267"/>
@@ -348,7 +348,7 @@
           </ac:spMkLst>
         </pc:spChg>
         <pc:graphicFrameChg chg="mod modGraphic">
-          <ac:chgData name="Wei-Jung Tseng" userId="43860473-0398-4a69-a820-88c39892e67f" providerId="ADAL" clId="{E230044C-E64B-4CAA-BD41-CBE6C0F45CC3}" dt="2021-09-18T05:08:02.568" v="1961" actId="20577"/>
+          <ac:chgData name="Wei-Jung Tseng" userId="43860473-0398-4a69-a820-88c39892e67f" providerId="ADAL" clId="{E230044C-E64B-4CAA-BD41-CBE6C0F45CC3}" dt="2021-09-18T15:03:25.721" v="2302" actId="20577"/>
           <ac:graphicFrameMkLst>
             <pc:docMk/>
             <pc:sldMk cId="2598391320" sldId="267"/>
@@ -654,7 +654,7 @@
           <a:p>
             <a:fld id="{D8DE8356-FFDA-4E74-B804-79023C7DD259}" type="datetimeFigureOut">
               <a:rPr lang="en-US" smtClean="0"/>
-              <a:t>9/17/2021</a:t>
+              <a:t>9/18/2021</a:t>
             </a:fld>
             <a:endParaRPr lang="en-US"/>
           </a:p>
@@ -819,7 +819,7 @@
           <a:p>
             <a:fld id="{B43DDCE7-616C-4285-A468-7301F171BC93}" type="datetimeFigureOut">
               <a:rPr lang="en-US" smtClean="0"/>
-              <a:t>9/17/2021</a:t>
+              <a:t>9/18/2021</a:t>
             </a:fld>
             <a:endParaRPr lang="en-US"/>
           </a:p>
@@ -1380,7 +1380,7 @@
           <a:p>
             <a:fld id="{3762EC29-B8C5-4C7A-B6DA-418494D5CB21}" type="datetimeFigureOut">
               <a:rPr lang="en-US" smtClean="0"/>
-              <a:t>9/17/2021</a:t>
+              <a:t>9/18/2021</a:t>
             </a:fld>
             <a:endParaRPr lang="en-US"/>
           </a:p>
@@ -1573,7 +1573,7 @@
           <a:p>
             <a:fld id="{3762EC29-B8C5-4C7A-B6DA-418494D5CB21}" type="datetimeFigureOut">
               <a:rPr lang="en-US" smtClean="0"/>
-              <a:t>9/17/2021</a:t>
+              <a:t>9/18/2021</a:t>
             </a:fld>
             <a:endParaRPr lang="en-US"/>
           </a:p>
@@ -1756,7 +1756,7 @@
           <a:p>
             <a:fld id="{3762EC29-B8C5-4C7A-B6DA-418494D5CB21}" type="datetimeFigureOut">
               <a:rPr lang="en-US" smtClean="0"/>
-              <a:t>9/17/2021</a:t>
+              <a:t>9/18/2021</a:t>
             </a:fld>
             <a:endParaRPr lang="en-US"/>
           </a:p>
@@ -2021,7 +2021,7 @@
           <a:p>
             <a:fld id="{3762EC29-B8C5-4C7A-B6DA-418494D5CB21}" type="datetimeFigureOut">
               <a:rPr lang="en-US" smtClean="0"/>
-              <a:t>9/17/2021</a:t>
+              <a:t>9/18/2021</a:t>
             </a:fld>
             <a:endParaRPr lang="en-US"/>
           </a:p>
@@ -2265,7 +2265,7 @@
           <a:p>
             <a:fld id="{3762EC29-B8C5-4C7A-B6DA-418494D5CB21}" type="datetimeFigureOut">
               <a:rPr lang="en-US" smtClean="0"/>
-              <a:t>9/17/2021</a:t>
+              <a:t>9/18/2021</a:t>
             </a:fld>
             <a:endParaRPr lang="en-US"/>
           </a:p>
@@ -2653,7 +2653,7 @@
           <a:p>
             <a:fld id="{3762EC29-B8C5-4C7A-B6DA-418494D5CB21}" type="datetimeFigureOut">
               <a:rPr lang="en-US" smtClean="0"/>
-              <a:t>9/17/2021</a:t>
+              <a:t>9/18/2021</a:t>
             </a:fld>
             <a:endParaRPr lang="en-US"/>
           </a:p>
@@ -2785,7 +2785,7 @@
           <a:p>
             <a:fld id="{3762EC29-B8C5-4C7A-B6DA-418494D5CB21}" type="datetimeFigureOut">
               <a:rPr lang="en-US" smtClean="0"/>
-              <a:t>9/17/2021</a:t>
+              <a:t>9/18/2021</a:t>
             </a:fld>
             <a:endParaRPr lang="en-US"/>
           </a:p>
@@ -2895,7 +2895,7 @@
           <a:p>
             <a:fld id="{3762EC29-B8C5-4C7A-B6DA-418494D5CB21}" type="datetimeFigureOut">
               <a:rPr lang="en-US" smtClean="0"/>
-              <a:t>9/17/2021</a:t>
+              <a:t>9/18/2021</a:t>
             </a:fld>
             <a:endParaRPr lang="en-US"/>
           </a:p>
@@ -3692,7 +3692,7 @@
             <a:fld id="{3762EC29-B8C5-4C7A-B6DA-418494D5CB21}" type="datetimeFigureOut">
               <a:rPr lang="en-US" smtClean="0"/>
               <a:pPr/>
-              <a:t>9/17/2021</a:t>
+              <a:t>9/18/2021</a:t>
             </a:fld>
             <a:endParaRPr lang="en-US"/>
           </a:p>
@@ -4376,13 +4376,13 @@
   <p:clrMapOvr>
     <a:masterClrMapping/>
   </p:clrMapOvr>
-  <mc:AlternateContent xmlns:mc="http://schemas.openxmlformats.org/markup-compatibility/2006">
-    <mc:Choice xmlns:p14="http://schemas.microsoft.com/office/powerpoint/2010/main" Requires="p14">
+  <mc:AlternateContent xmlns:mc="http://schemas.openxmlformats.org/markup-compatibility/2006" xmlns:p14="http://schemas.microsoft.com/office/powerpoint/2010/main">
+    <mc:Choice Requires="p14">
       <p:transition spd="med" p14:dur="700">
         <p:fade/>
       </p:transition>
     </mc:Choice>
-    <mc:Fallback>
+    <mc:Fallback xmlns="">
       <p:transition spd="med">
         <p:fade/>
       </p:transition>
@@ -4477,13 +4477,13 @@
   <p:clrMapOvr>
     <a:masterClrMapping/>
   </p:clrMapOvr>
-  <mc:AlternateContent xmlns:mc="http://schemas.openxmlformats.org/markup-compatibility/2006">
-    <mc:Choice xmlns:p14="http://schemas.microsoft.com/office/powerpoint/2010/main" Requires="p14">
+  <mc:AlternateContent xmlns:mc="http://schemas.openxmlformats.org/markup-compatibility/2006" xmlns:p14="http://schemas.microsoft.com/office/powerpoint/2010/main">
+    <mc:Choice Requires="p14">
       <p:transition spd="med" p14:dur="700">
         <p:fade/>
       </p:transition>
     </mc:Choice>
-    <mc:Fallback>
+    <mc:Fallback xmlns="">
       <p:transition spd="med">
         <p:fade/>
       </p:transition>
@@ -4578,13 +4578,13 @@
   <p:clrMapOvr>
     <a:masterClrMapping/>
   </p:clrMapOvr>
-  <mc:AlternateContent xmlns:mc="http://schemas.openxmlformats.org/markup-compatibility/2006">
-    <mc:Choice xmlns:p14="http://schemas.microsoft.com/office/powerpoint/2010/main" Requires="p14">
+  <mc:AlternateContent xmlns:mc="http://schemas.openxmlformats.org/markup-compatibility/2006" xmlns:p14="http://schemas.microsoft.com/office/powerpoint/2010/main">
+    <mc:Choice Requires="p14">
       <p:transition spd="med" p14:dur="700">
         <p:fade/>
       </p:transition>
     </mc:Choice>
-    <mc:Fallback>
+    <mc:Fallback xmlns="">
       <p:transition spd="med">
         <p:fade/>
       </p:transition>
@@ -5007,13 +5007,13 @@
   <p:clrMapOvr>
     <a:masterClrMapping/>
   </p:clrMapOvr>
-  <mc:AlternateContent xmlns:mc="http://schemas.openxmlformats.org/markup-compatibility/2006">
-    <mc:Choice xmlns:p14="http://schemas.microsoft.com/office/powerpoint/2010/main" Requires="p14">
+  <mc:AlternateContent xmlns:mc="http://schemas.openxmlformats.org/markup-compatibility/2006" xmlns:p14="http://schemas.microsoft.com/office/powerpoint/2010/main">
+    <mc:Choice Requires="p14">
       <p:transition spd="med" p14:dur="700">
         <p:fade/>
       </p:transition>
     </mc:Choice>
-    <mc:Fallback>
+    <mc:Fallback xmlns="">
       <p:transition spd="med">
         <p:fade/>
       </p:transition>
@@ -5136,13 +5136,13 @@
   <p:clrMapOvr>
     <a:masterClrMapping/>
   </p:clrMapOvr>
-  <mc:AlternateContent xmlns:mc="http://schemas.openxmlformats.org/markup-compatibility/2006">
-    <mc:Choice xmlns:p14="http://schemas.microsoft.com/office/powerpoint/2010/main" Requires="p14">
+  <mc:AlternateContent xmlns:mc="http://schemas.openxmlformats.org/markup-compatibility/2006" xmlns:p14="http://schemas.microsoft.com/office/powerpoint/2010/main">
+    <mc:Choice Requires="p14">
       <p:transition spd="med" p14:dur="700">
         <p:fade/>
       </p:transition>
     </mc:Choice>
-    <mc:Fallback>
+    <mc:Fallback xmlns="">
       <p:transition spd="med">
         <p:fade/>
       </p:transition>
@@ -5264,13 +5264,13 @@
   <p:clrMapOvr>
     <a:masterClrMapping/>
   </p:clrMapOvr>
-  <mc:AlternateContent xmlns:mc="http://schemas.openxmlformats.org/markup-compatibility/2006">
-    <mc:Choice xmlns:p14="http://schemas.microsoft.com/office/powerpoint/2010/main" Requires="p14">
+  <mc:AlternateContent xmlns:mc="http://schemas.openxmlformats.org/markup-compatibility/2006" xmlns:p14="http://schemas.microsoft.com/office/powerpoint/2010/main">
+    <mc:Choice Requires="p14">
       <p:transition spd="med" p14:dur="700">
         <p:fade/>
       </p:transition>
     </mc:Choice>
-    <mc:Fallback>
+    <mc:Fallback xmlns="">
       <p:transition spd="med">
         <p:fade/>
       </p:transition>
@@ -5404,13 +5404,13 @@
   <p:clrMapOvr>
     <a:masterClrMapping/>
   </p:clrMapOvr>
-  <mc:AlternateContent xmlns:mc="http://schemas.openxmlformats.org/markup-compatibility/2006">
-    <mc:Choice xmlns:p14="http://schemas.microsoft.com/office/powerpoint/2010/main" Requires="p14">
+  <mc:AlternateContent xmlns:mc="http://schemas.openxmlformats.org/markup-compatibility/2006" xmlns:p14="http://schemas.microsoft.com/office/powerpoint/2010/main">
+    <mc:Choice Requires="p14">
       <p:transition spd="med" p14:dur="700">
         <p:fade/>
       </p:transition>
     </mc:Choice>
-    <mc:Fallback>
+    <mc:Fallback xmlns="">
       <p:transition spd="med">
         <p:fade/>
       </p:transition>
@@ -5632,7 +5632,7 @@
             <p:ph sz="half" idx="2"/>
             <p:extLst>
               <p:ext uri="{D42A27DB-BD31-4B8C-83A1-F6EECF244321}">
-                <p14:modId xmlns:p14="http://schemas.microsoft.com/office/powerpoint/2010/main" val="1266603929"/>
+                <p14:modId xmlns:p14="http://schemas.microsoft.com/office/powerpoint/2010/main" val="4058697551"/>
               </p:ext>
             </p:extLst>
           </p:nvPr>
@@ -5706,12 +5706,8 @@
                     <a:p>
                       <a:pPr algn="ctr"/>
                       <a:r>
-                        <a:rPr lang="en-US" dirty="0" err="1"/>
-                        <a:t>Logisic</a:t>
-                      </a:r>
-                      <a:r>
                         <a:rPr lang="en-US" dirty="0"/>
-                        <a:t> Regression</a:t>
+                        <a:t>Logistic Regression</a:t>
                       </a:r>
                     </a:p>
                   </a:txBody>

--- a/Capstone 3/Capstone 3.pptx
+++ b/Capstone 3/Capstone 3.pptx
@@ -157,7 +157,7 @@
   <pc:docChgLst>
     <pc:chgData name="Wei-Jung Tseng" userId="43860473-0398-4a69-a820-88c39892e67f" providerId="ADAL" clId="{E230044C-E64B-4CAA-BD41-CBE6C0F45CC3}"/>
     <pc:docChg chg="undo custSel addSld delSld modSld sldOrd">
-      <pc:chgData name="Wei-Jung Tseng" userId="43860473-0398-4a69-a820-88c39892e67f" providerId="ADAL" clId="{E230044C-E64B-4CAA-BD41-CBE6C0F45CC3}" dt="2021-09-18T15:03:25.721" v="2302" actId="20577"/>
+      <pc:chgData name="Wei-Jung Tseng" userId="43860473-0398-4a69-a820-88c39892e67f" providerId="ADAL" clId="{E230044C-E64B-4CAA-BD41-CBE6C0F45CC3}" dt="2021-09-24T07:49:18.171" v="2312" actId="20577"/>
       <pc:docMkLst>
         <pc:docMk/>
       </pc:docMkLst>
@@ -438,15 +438,23 @@
           </ac:spMkLst>
         </pc:spChg>
       </pc:sldChg>
-      <pc:sldChg chg="add">
-        <pc:chgData name="Wei-Jung Tseng" userId="43860473-0398-4a69-a820-88c39892e67f" providerId="ADAL" clId="{E230044C-E64B-4CAA-BD41-CBE6C0F45CC3}" dt="2021-09-18T03:55:27.062" v="900" actId="2890"/>
+      <pc:sldChg chg="modSp add mod">
+        <pc:chgData name="Wei-Jung Tseng" userId="43860473-0398-4a69-a820-88c39892e67f" providerId="ADAL" clId="{E230044C-E64B-4CAA-BD41-CBE6C0F45CC3}" dt="2021-09-19T23:19:10.881" v="2304" actId="20577"/>
         <pc:sldMkLst>
           <pc:docMk/>
           <pc:sldMk cId="813926152" sldId="274"/>
         </pc:sldMkLst>
+        <pc:spChg chg="mod">
+          <ac:chgData name="Wei-Jung Tseng" userId="43860473-0398-4a69-a820-88c39892e67f" providerId="ADAL" clId="{E230044C-E64B-4CAA-BD41-CBE6C0F45CC3}" dt="2021-09-19T23:19:10.881" v="2304" actId="20577"/>
+          <ac:spMkLst>
+            <pc:docMk/>
+            <pc:sldMk cId="813926152" sldId="274"/>
+            <ac:spMk id="3" creationId="{00000000-0000-0000-0000-000000000000}"/>
+          </ac:spMkLst>
+        </pc:spChg>
       </pc:sldChg>
       <pc:sldChg chg="modSp add mod">
-        <pc:chgData name="Wei-Jung Tseng" userId="43860473-0398-4a69-a820-88c39892e67f" providerId="ADAL" clId="{E230044C-E64B-4CAA-BD41-CBE6C0F45CC3}" dt="2021-09-18T04:16:15.463" v="1659" actId="403"/>
+        <pc:chgData name="Wei-Jung Tseng" userId="43860473-0398-4a69-a820-88c39892e67f" providerId="ADAL" clId="{E230044C-E64B-4CAA-BD41-CBE6C0F45CC3}" dt="2021-09-24T07:49:18.171" v="2312" actId="20577"/>
         <pc:sldMkLst>
           <pc:docMk/>
           <pc:sldMk cId="3555643082" sldId="275"/>
@@ -460,7 +468,7 @@
           </ac:spMkLst>
         </pc:spChg>
         <pc:spChg chg="mod">
-          <ac:chgData name="Wei-Jung Tseng" userId="43860473-0398-4a69-a820-88c39892e67f" providerId="ADAL" clId="{E230044C-E64B-4CAA-BD41-CBE6C0F45CC3}" dt="2021-09-18T04:16:15.463" v="1659" actId="403"/>
+          <ac:chgData name="Wei-Jung Tseng" userId="43860473-0398-4a69-a820-88c39892e67f" providerId="ADAL" clId="{E230044C-E64B-4CAA-BD41-CBE6C0F45CC3}" dt="2021-09-24T07:49:18.171" v="2312" actId="20577"/>
           <ac:spMkLst>
             <pc:docMk/>
             <pc:sldMk cId="3555643082" sldId="275"/>
@@ -654,7 +662,7 @@
           <a:p>
             <a:fld id="{D8DE8356-FFDA-4E74-B804-79023C7DD259}" type="datetimeFigureOut">
               <a:rPr lang="en-US" smtClean="0"/>
-              <a:t>9/18/2021</a:t>
+              <a:t>9/24/2021</a:t>
             </a:fld>
             <a:endParaRPr lang="en-US"/>
           </a:p>
@@ -819,7 +827,7 @@
           <a:p>
             <a:fld id="{B43DDCE7-616C-4285-A468-7301F171BC93}" type="datetimeFigureOut">
               <a:rPr lang="en-US" smtClean="0"/>
-              <a:t>9/18/2021</a:t>
+              <a:t>9/24/2021</a:t>
             </a:fld>
             <a:endParaRPr lang="en-US"/>
           </a:p>
@@ -1380,7 +1388,7 @@
           <a:p>
             <a:fld id="{3762EC29-B8C5-4C7A-B6DA-418494D5CB21}" type="datetimeFigureOut">
               <a:rPr lang="en-US" smtClean="0"/>
-              <a:t>9/18/2021</a:t>
+              <a:t>9/24/2021</a:t>
             </a:fld>
             <a:endParaRPr lang="en-US"/>
           </a:p>
@@ -1573,7 +1581,7 @@
           <a:p>
             <a:fld id="{3762EC29-B8C5-4C7A-B6DA-418494D5CB21}" type="datetimeFigureOut">
               <a:rPr lang="en-US" smtClean="0"/>
-              <a:t>9/18/2021</a:t>
+              <a:t>9/24/2021</a:t>
             </a:fld>
             <a:endParaRPr lang="en-US"/>
           </a:p>
@@ -1756,7 +1764,7 @@
           <a:p>
             <a:fld id="{3762EC29-B8C5-4C7A-B6DA-418494D5CB21}" type="datetimeFigureOut">
               <a:rPr lang="en-US" smtClean="0"/>
-              <a:t>9/18/2021</a:t>
+              <a:t>9/24/2021</a:t>
             </a:fld>
             <a:endParaRPr lang="en-US"/>
           </a:p>
@@ -2021,7 +2029,7 @@
           <a:p>
             <a:fld id="{3762EC29-B8C5-4C7A-B6DA-418494D5CB21}" type="datetimeFigureOut">
               <a:rPr lang="en-US" smtClean="0"/>
-              <a:t>9/18/2021</a:t>
+              <a:t>9/24/2021</a:t>
             </a:fld>
             <a:endParaRPr lang="en-US"/>
           </a:p>
@@ -2265,7 +2273,7 @@
           <a:p>
             <a:fld id="{3762EC29-B8C5-4C7A-B6DA-418494D5CB21}" type="datetimeFigureOut">
               <a:rPr lang="en-US" smtClean="0"/>
-              <a:t>9/18/2021</a:t>
+              <a:t>9/24/2021</a:t>
             </a:fld>
             <a:endParaRPr lang="en-US"/>
           </a:p>
@@ -2653,7 +2661,7 @@
           <a:p>
             <a:fld id="{3762EC29-B8C5-4C7A-B6DA-418494D5CB21}" type="datetimeFigureOut">
               <a:rPr lang="en-US" smtClean="0"/>
-              <a:t>9/18/2021</a:t>
+              <a:t>9/24/2021</a:t>
             </a:fld>
             <a:endParaRPr lang="en-US"/>
           </a:p>
@@ -2785,7 +2793,7 @@
           <a:p>
             <a:fld id="{3762EC29-B8C5-4C7A-B6DA-418494D5CB21}" type="datetimeFigureOut">
               <a:rPr lang="en-US" smtClean="0"/>
-              <a:t>9/18/2021</a:t>
+              <a:t>9/24/2021</a:t>
             </a:fld>
             <a:endParaRPr lang="en-US"/>
           </a:p>
@@ -2895,7 +2903,7 @@
           <a:p>
             <a:fld id="{3762EC29-B8C5-4C7A-B6DA-418494D5CB21}" type="datetimeFigureOut">
               <a:rPr lang="en-US" smtClean="0"/>
-              <a:t>9/18/2021</a:t>
+              <a:t>9/24/2021</a:t>
             </a:fld>
             <a:endParaRPr lang="en-US"/>
           </a:p>
@@ -3692,7 +3700,7 @@
             <a:fld id="{3762EC29-B8C5-4C7A-B6DA-418494D5CB21}" type="datetimeFigureOut">
               <a:rPr lang="en-US" smtClean="0"/>
               <a:pPr/>
-              <a:t>9/18/2021</a:t>
+              <a:t>9/24/2021</a:t>
             </a:fld>
             <a:endParaRPr lang="en-US"/>
           </a:p>
@@ -5083,11 +5091,11 @@
             </a:pPr>
             <a:r>
               <a:rPr lang="en-US" dirty="0"/>
-              <a:t>The following methodology was adapted to predict game winners in 2019-2020 </a:t>
-            </a:r>
-            <a:r>
-              <a:rPr lang="en-US" dirty="0" err="1"/>
-              <a:t>seasin</a:t>
+              <a:t>The following methodology was adapted to predict game winners in </a:t>
+            </a:r>
+            <a:r>
+              <a:rPr lang="en-US"/>
+              <a:t>2019-2020 season</a:t>
             </a:r>
             <a:r>
               <a:rPr lang="en-US" dirty="0"/>
@@ -5351,8 +5359,13 @@
             <a:pPr lvl="1"/>
             <a:r>
               <a:rPr lang="en-US" sz="1800" dirty="0"/>
-              <a:t>Columns that held only descriptive information of the complaint </a:t>
-            </a:r>
+              <a:t>Columns that held only </a:t>
+            </a:r>
+            <a:r>
+              <a:rPr lang="en-US" sz="1800"/>
+              <a:t>descriptive information</a:t>
+            </a:r>
+            <a:endParaRPr lang="en-US" sz="1800" dirty="0"/>
           </a:p>
           <a:p>
             <a:pPr lvl="1"/>
